--- a/המהפכה החקלאית.pptx
+++ b/המהפכה החקלאית.pptx
@@ -3641,7 +3641,7 @@
               <a:rPr lang="he-IL" dirty="0">
                 <a:cs typeface="+mj-cs"/>
               </a:rPr>
-              <a:t>בממוצע כ40 (נתון זה נובע מעיוות סטטיסטי)</a:t>
+              <a:t>תוחלת חיים בממוצע כ40 שנה (נתון זה נובע מעיוות סטטיסטי).</a:t>
             </a:r>
           </a:p>
           <a:p>
@@ -3755,7 +3755,7 @@
                 <a:latin typeface="Times New Roman (כותרות)"/>
                 <a:cs typeface="+mj-cs"/>
               </a:rPr>
-              <a:t>עידן הקרח האחרון נגמר לפני כ11000 שנה האקלים החם והיבש הביא ליעילות מוגברת בעיבוד תבואה.</a:t>
+              <a:t>עידן הקרח האחרון נגמר לפני כ11000 שנה האקלים החם והיבש הביא ליעילות מוגברת בגידול תבואה.</a:t>
             </a:r>
           </a:p>
           <a:p>
@@ -3787,19 +3787,8 @@
                 <a:latin typeface="Times New Roman (כותרות)"/>
                 <a:cs typeface="+mj-cs"/>
               </a:rPr>
-              <a:t>אנשים מתחילים להתיישב באופן קבוע במקום לנדוד ממקום למקום ומקימים את השורשים של </a:t>
-            </a:r>
-            <a:r>
-              <a:rPr lang="he-IL">
-                <a:latin typeface="Times New Roman (כותרות)"/>
-                <a:cs typeface="+mj-cs"/>
-              </a:rPr>
-              <a:t>הציוויליזציות הראשונות.</a:t>
-            </a:r>
-            <a:endParaRPr lang="he-IL" dirty="0">
-              <a:latin typeface="Times New Roman (כותרות)"/>
-              <a:cs typeface="+mj-cs"/>
-            </a:endParaRPr>
+              <a:t>אנשים מתחילים להתיישב באופן קבוע במקום לנדוד ממקום למקום ומקימים את השורשים של הציוויליזציות הראשונות.</a:t>
+            </a:r>
           </a:p>
           <a:p>
             <a:pPr marL="0" indent="0">
@@ -4296,7 +4285,7 @@
         <p:spPr/>
         <p:txBody>
           <a:bodyPr>
-            <a:normAutofit lnSpcReduction="10000"/>
+            <a:normAutofit fontScale="92500" lnSpcReduction="10000"/>
           </a:bodyPr>
           <a:lstStyle/>
           <a:p>
@@ -4360,6 +4349,27 @@
               </a:rPr>
               <a:t>קבוצות גדולות של אנשים היו צריכים צורת ארגון כלשהי כדי לתפקד ביעילות.</a:t>
             </a:r>
+          </a:p>
+          <a:p>
+            <a:pPr lvl="1"/>
+            <a:r>
+              <a:rPr lang="he-IL" sz="2500" dirty="0">
+                <a:latin typeface="Times New Roman (כותרות)"/>
+                <a:cs typeface="+mj-cs"/>
+              </a:rPr>
+              <a:t>יצירת מערכת </a:t>
+            </a:r>
+            <a:r>
+              <a:rPr lang="he-IL" sz="2500" dirty="0" err="1">
+                <a:latin typeface="Times New Roman (כותרות)"/>
+                <a:cs typeface="+mj-cs"/>
+              </a:rPr>
+              <a:t>שלטומ</a:t>
+            </a:r>
+            <a:endParaRPr lang="he-IL" sz="2500" dirty="0">
+              <a:latin typeface="Times New Roman (כותרות)"/>
+              <a:cs typeface="+mj-cs"/>
+            </a:endParaRPr>
           </a:p>
           <a:p>
             <a:pPr marL="0" indent="0">
